--- a/Classes/Class_1/Introduction.pptx
+++ b/Classes/Class_1/Introduction.pptx
@@ -215,7 +215,7 @@
           <a:p>
             <a:fld id="{DB430043-EE85-4B6C-A802-3E6B16F216A2}" type="datetimeFigureOut">
               <a:rPr lang="en-IL" smtClean="0"/>
-              <a:t>16/10/2022</a:t>
+              <a:t>31/10/2022</a:t>
             </a:fld>
             <a:endParaRPr lang="en-IL"/>
           </a:p>
@@ -480,7 +480,7 @@
           <a:p>
             <a:fld id="{6B548E75-1D94-41E4-8CAC-9631837BFE23}" type="datetimeFigureOut">
               <a:rPr lang="en-IL" smtClean="0"/>
-              <a:t>16/10/2022</a:t>
+              <a:t>31/10/2022</a:t>
             </a:fld>
             <a:endParaRPr lang="en-IL"/>
           </a:p>
@@ -747,7 +747,7 @@
           <a:p>
             <a:fld id="{6B548E75-1D94-41E4-8CAC-9631837BFE23}" type="datetimeFigureOut">
               <a:rPr lang="en-IL" smtClean="0"/>
-              <a:t>16/10/2022</a:t>
+              <a:t>31/10/2022</a:t>
             </a:fld>
             <a:endParaRPr lang="en-IL"/>
           </a:p>
@@ -978,7 +978,7 @@
           <a:p>
             <a:fld id="{6B548E75-1D94-41E4-8CAC-9631837BFE23}" type="datetimeFigureOut">
               <a:rPr lang="en-IL" smtClean="0"/>
-              <a:t>16/10/2022</a:t>
+              <a:t>31/10/2022</a:t>
             </a:fld>
             <a:endParaRPr lang="en-IL"/>
           </a:p>
@@ -1288,7 +1288,7 @@
           <a:p>
             <a:fld id="{6B548E75-1D94-41E4-8CAC-9631837BFE23}" type="datetimeFigureOut">
               <a:rPr lang="en-IL" smtClean="0"/>
-              <a:t>16/10/2022</a:t>
+              <a:t>31/10/2022</a:t>
             </a:fld>
             <a:endParaRPr lang="en-IL"/>
           </a:p>
@@ -1761,7 +1761,7 @@
           <a:p>
             <a:fld id="{6B548E75-1D94-41E4-8CAC-9631837BFE23}" type="datetimeFigureOut">
               <a:rPr lang="en-IL" smtClean="0"/>
-              <a:t>16/10/2022</a:t>
+              <a:t>31/10/2022</a:t>
             </a:fld>
             <a:endParaRPr lang="en-IL"/>
           </a:p>
@@ -2308,7 +2308,7 @@
           <a:p>
             <a:fld id="{6B548E75-1D94-41E4-8CAC-9631837BFE23}" type="datetimeFigureOut">
               <a:rPr lang="en-IL" smtClean="0"/>
-              <a:t>16/10/2022</a:t>
+              <a:t>31/10/2022</a:t>
             </a:fld>
             <a:endParaRPr lang="en-IL"/>
           </a:p>
@@ -3082,7 +3082,7 @@
           <a:p>
             <a:fld id="{6B548E75-1D94-41E4-8CAC-9631837BFE23}" type="datetimeFigureOut">
               <a:rPr lang="en-IL" smtClean="0"/>
-              <a:t>16/10/2022</a:t>
+              <a:t>31/10/2022</a:t>
             </a:fld>
             <a:endParaRPr lang="en-IL"/>
           </a:p>
@@ -3257,7 +3257,7 @@
           <a:p>
             <a:fld id="{6B548E75-1D94-41E4-8CAC-9631837BFE23}" type="datetimeFigureOut">
               <a:rPr lang="en-IL" smtClean="0"/>
-              <a:t>16/10/2022</a:t>
+              <a:t>31/10/2022</a:t>
             </a:fld>
             <a:endParaRPr lang="en-IL"/>
           </a:p>
@@ -3480,7 +3480,7 @@
           <a:p>
             <a:fld id="{6B548E75-1D94-41E4-8CAC-9631837BFE23}" type="datetimeFigureOut">
               <a:rPr lang="en-IL" smtClean="0"/>
-              <a:t>16/10/2022</a:t>
+              <a:t>31/10/2022</a:t>
             </a:fld>
             <a:endParaRPr lang="en-IL"/>
           </a:p>
@@ -3660,7 +3660,7 @@
           <a:p>
             <a:fld id="{6B548E75-1D94-41E4-8CAC-9631837BFE23}" type="datetimeFigureOut">
               <a:rPr lang="en-IL" smtClean="0"/>
-              <a:t>16/10/2022</a:t>
+              <a:t>31/10/2022</a:t>
             </a:fld>
             <a:endParaRPr lang="en-IL"/>
           </a:p>
@@ -3949,7 +3949,7 @@
           <a:p>
             <a:fld id="{6B548E75-1D94-41E4-8CAC-9631837BFE23}" type="datetimeFigureOut">
               <a:rPr lang="en-IL" smtClean="0"/>
-              <a:t>16/10/2022</a:t>
+              <a:t>31/10/2022</a:t>
             </a:fld>
             <a:endParaRPr lang="en-IL"/>
           </a:p>
@@ -4191,7 +4191,7 @@
           <a:p>
             <a:fld id="{6B548E75-1D94-41E4-8CAC-9631837BFE23}" type="datetimeFigureOut">
               <a:rPr lang="en-IL" smtClean="0"/>
-              <a:t>16/10/2022</a:t>
+              <a:t>31/10/2022</a:t>
             </a:fld>
             <a:endParaRPr lang="en-IL"/>
           </a:p>
@@ -4570,7 +4570,7 @@
           <a:p>
             <a:fld id="{6B548E75-1D94-41E4-8CAC-9631837BFE23}" type="datetimeFigureOut">
               <a:rPr lang="en-IL" smtClean="0"/>
-              <a:t>16/10/2022</a:t>
+              <a:t>31/10/2022</a:t>
             </a:fld>
             <a:endParaRPr lang="en-IL"/>
           </a:p>
@@ -4688,7 +4688,7 @@
           <a:p>
             <a:fld id="{6B548E75-1D94-41E4-8CAC-9631837BFE23}" type="datetimeFigureOut">
               <a:rPr lang="en-IL" smtClean="0"/>
-              <a:t>16/10/2022</a:t>
+              <a:t>31/10/2022</a:t>
             </a:fld>
             <a:endParaRPr lang="en-IL"/>
           </a:p>
@@ -4783,7 +4783,7 @@
           <a:p>
             <a:fld id="{6B548E75-1D94-41E4-8CAC-9631837BFE23}" type="datetimeFigureOut">
               <a:rPr lang="en-IL" smtClean="0"/>
-              <a:t>16/10/2022</a:t>
+              <a:t>31/10/2022</a:t>
             </a:fld>
             <a:endParaRPr lang="en-IL"/>
           </a:p>
@@ -5032,7 +5032,7 @@
           <a:p>
             <a:fld id="{6B548E75-1D94-41E4-8CAC-9631837BFE23}" type="datetimeFigureOut">
               <a:rPr lang="en-IL" smtClean="0"/>
-              <a:t>16/10/2022</a:t>
+              <a:t>31/10/2022</a:t>
             </a:fld>
             <a:endParaRPr lang="en-IL"/>
           </a:p>
@@ -5289,7 +5289,7 @@
           <a:p>
             <a:fld id="{6B548E75-1D94-41E4-8CAC-9631837BFE23}" type="datetimeFigureOut">
               <a:rPr lang="en-IL" smtClean="0"/>
-              <a:t>16/10/2022</a:t>
+              <a:t>31/10/2022</a:t>
             </a:fld>
             <a:endParaRPr lang="en-IL"/>
           </a:p>
@@ -5551,7 +5551,7 @@
           <a:p>
             <a:fld id="{6B548E75-1D94-41E4-8CAC-9631837BFE23}" type="datetimeFigureOut">
               <a:rPr lang="en-IL" smtClean="0"/>
-              <a:t>16/10/2022</a:t>
+              <a:t>31/10/2022</a:t>
             </a:fld>
             <a:endParaRPr lang="en-IL"/>
           </a:p>
@@ -6437,6 +6437,54 @@
           </a:prstGeom>
         </p:spPr>
       </p:pic>
+      <p:pic>
+        <p:nvPicPr>
+          <p:cNvPr id="5" name="Picture 4">
+            <a:extLst>
+              <a:ext uri="{FF2B5EF4-FFF2-40B4-BE49-F238E27FC236}">
+                <a16:creationId xmlns:a16="http://schemas.microsoft.com/office/drawing/2014/main" id="{CA9BF8C8-2275-F9A2-4A6C-9E90501F0A56}"/>
+              </a:ext>
+            </a:extLst>
+          </p:cNvPr>
+          <p:cNvPicPr>
+            <a:picLocks noChangeAspect="1"/>
+          </p:cNvPicPr>
+          <p:nvPr/>
+        </p:nvPicPr>
+        <p:blipFill rotWithShape="1">
+          <a:blip r:embed="rId3">
+            <a:extLst>
+              <a:ext uri="{28A0092B-C50C-407E-A947-70E740481C1C}">
+                <a14:useLocalDpi xmlns:a14="http://schemas.microsoft.com/office/drawing/2010/main" val="0"/>
+              </a:ext>
+            </a:extLst>
+          </a:blip>
+          <a:srcRect r="10842"/>
+          <a:stretch/>
+        </p:blipFill>
+        <p:spPr>
+          <a:xfrm>
+            <a:off x="7519674" y="3610947"/>
+            <a:ext cx="4672320" cy="2482680"/>
+          </a:xfrm>
+          <a:prstGeom prst="roundRect">
+            <a:avLst>
+              <a:gd name="adj" fmla="val 8594"/>
+            </a:avLst>
+          </a:prstGeom>
+          <a:solidFill>
+            <a:srgbClr val="FFFFFF">
+              <a:shade val="85000"/>
+            </a:srgbClr>
+          </a:solidFill>
+          <a:ln>
+            <a:noFill/>
+          </a:ln>
+          <a:effectLst>
+            <a:reflection blurRad="12700" stA="38000" endPos="28000" dist="5000" dir="5400000" sy="-100000" algn="bl" rotWithShape="0"/>
+          </a:effectLst>
+        </p:spPr>
+      </p:pic>
     </p:spTree>
     <p:extLst>
       <p:ext uri="{BB962C8B-B14F-4D97-AF65-F5344CB8AC3E}">
@@ -6544,8 +6592,18 @@
           </a:p>
           <a:p>
             <a:r>
+              <a:rPr lang="en-US"/>
+              <a:t>You </a:t>
+            </a:r>
+            <a:r>
               <a:rPr lang="en-US" dirty="0"/>
-              <a:t>You had fun and have the motivation to extend your game dev horizons</a:t>
+              <a:t>have the motivation to extend your game dev horizons</a:t>
+            </a:r>
+          </a:p>
+          <a:p>
+            <a:r>
+              <a:rPr lang="en-US" dirty="0"/>
+              <a:t>You had fun!</a:t>
             </a:r>
           </a:p>
           <a:p>
